--- a/slides/block12.pptx
+++ b/slides/block12.pptx
@@ -4187,6 +4187,127 @@
           </p:txBody>
         </p:sp>
       </p:grpSp>
+      <p:grpSp>
+        <p:nvGrpSpPr>
+          <p:cNvPr id="13" name="Group 12">
+            <a:extLst>
+              <a:ext uri="{FF2B5EF4-FFF2-40B4-BE49-F238E27FC236}">
+                <a16:creationId xmlns:a16="http://schemas.microsoft.com/office/drawing/2014/main" id="{9B7FE240-567E-CFDD-D0B9-062949A9AAB4}"/>
+              </a:ext>
+            </a:extLst>
+          </p:cNvPr>
+          <p:cNvGrpSpPr/>
+          <p:nvPr/>
+        </p:nvGrpSpPr>
+        <p:grpSpPr>
+          <a:xfrm>
+            <a:off x="7389070" y="563624"/>
+            <a:ext cx="4046574" cy="1502243"/>
+            <a:chOff x="8504808" y="3810285"/>
+            <a:chExt cx="4965385" cy="1502243"/>
+          </a:xfrm>
+        </p:grpSpPr>
+        <p:cxnSp>
+          <p:nvCxnSpPr>
+            <p:cNvPr id="14" name="Straight Arrow Connector 13">
+              <a:extLst>
+                <a:ext uri="{FF2B5EF4-FFF2-40B4-BE49-F238E27FC236}">
+                  <a16:creationId xmlns:a16="http://schemas.microsoft.com/office/drawing/2014/main" id="{324DA1EC-8A70-F95A-3514-587F012C2801}"/>
+                </a:ext>
+              </a:extLst>
+            </p:cNvPr>
+            <p:cNvCxnSpPr>
+              <a:cxnSpLocks/>
+              <a:stCxn id="15" idx="2"/>
+            </p:cNvCxnSpPr>
+            <p:nvPr/>
+          </p:nvCxnSpPr>
+          <p:spPr>
+            <a:xfrm>
+              <a:off x="10987501" y="4456616"/>
+              <a:ext cx="1956312" cy="855912"/>
+            </a:xfrm>
+            <a:prstGeom prst="straightConnector1">
+              <a:avLst/>
+            </a:prstGeom>
+            <a:ln w="57150">
+              <a:solidFill>
+                <a:srgbClr val="FF2F92"/>
+              </a:solidFill>
+              <a:tailEnd type="triangle"/>
+            </a:ln>
+          </p:spPr>
+          <p:style>
+            <a:lnRef idx="2">
+              <a:schemeClr val="accent1"/>
+            </a:lnRef>
+            <a:fillRef idx="0">
+              <a:schemeClr val="accent1"/>
+            </a:fillRef>
+            <a:effectRef idx="1">
+              <a:schemeClr val="accent1"/>
+            </a:effectRef>
+            <a:fontRef idx="minor">
+              <a:schemeClr val="tx1"/>
+            </a:fontRef>
+          </p:style>
+        </p:cxnSp>
+        <p:sp>
+          <p:nvSpPr>
+            <p:cNvPr id="15" name="TextBox 14">
+              <a:extLst>
+                <a:ext uri="{FF2B5EF4-FFF2-40B4-BE49-F238E27FC236}">
+                  <a16:creationId xmlns:a16="http://schemas.microsoft.com/office/drawing/2014/main" id="{74CAF841-6428-7F9C-2736-4EE1B5F14133}"/>
+                </a:ext>
+              </a:extLst>
+            </p:cNvPr>
+            <p:cNvSpPr txBox="1"/>
+            <p:nvPr/>
+          </p:nvSpPr>
+          <p:spPr>
+            <a:xfrm>
+              <a:off x="8504808" y="3810285"/>
+              <a:ext cx="4965385" cy="646331"/>
+            </a:xfrm>
+            <a:prstGeom prst="rect">
+              <a:avLst/>
+            </a:prstGeom>
+            <a:noFill/>
+          </p:spPr>
+          <p:txBody>
+            <a:bodyPr wrap="square" rtlCol="0">
+              <a:spAutoFit/>
+            </a:bodyPr>
+            <a:lstStyle/>
+            <a:p>
+              <a:r>
+                <a:rPr lang="en-KW" b="1" dirty="0">
+                  <a:solidFill>
+                    <a:srgbClr val="FF2F92"/>
+                  </a:solidFill>
+                </a:rPr>
+                <a:t>If you take the parameter </a:t>
+              </a:r>
+              <a:r>
+                <a:rPr lang="en-KW" b="1">
+                  <a:solidFill>
+                    <a:srgbClr val="FF2F92"/>
+                  </a:solidFill>
+                </a:rPr>
+                <a:t>values here</a:t>
+              </a:r>
+              <a:r>
+                <a:rPr lang="en-KW" b="1" dirty="0">
+                  <a:solidFill>
+                    <a:srgbClr val="FF2F92"/>
+                  </a:solidFill>
+                </a:rPr>
+                <a:t>, the model will perform horribly</a:t>
+              </a:r>
+            </a:p>
+          </p:txBody>
+        </p:sp>
+      </p:grpSp>
     </p:spTree>
     <p:extLst>
       <p:ext uri="{BB962C8B-B14F-4D97-AF65-F5344CB8AC3E}">
@@ -4473,6 +4594,51 @@
                                         </p:cTn>
                                         <p:tgtEl>
                                           <p:spTgt spid="12"/>
+                                        </p:tgtEl>
+                                        <p:attrNameLst>
+                                          <p:attrName>style.visibility</p:attrName>
+                                        </p:attrNameLst>
+                                      </p:cBhvr>
+                                      <p:to>
+                                        <p:strVal val="visible"/>
+                                      </p:to>
+                                    </p:set>
+                                  </p:childTnLst>
+                                </p:cTn>
+                              </p:par>
+                            </p:childTnLst>
+                          </p:cTn>
+                        </p:par>
+                      </p:childTnLst>
+                    </p:cTn>
+                  </p:par>
+                  <p:par>
+                    <p:cTn id="27" fill="hold">
+                      <p:stCondLst>
+                        <p:cond delay="indefinite"/>
+                      </p:stCondLst>
+                      <p:childTnLst>
+                        <p:par>
+                          <p:cTn id="28" fill="hold">
+                            <p:stCondLst>
+                              <p:cond delay="0"/>
+                            </p:stCondLst>
+                            <p:childTnLst>
+                              <p:par>
+                                <p:cTn id="29" presetID="1" presetClass="entr" presetSubtype="0" fill="hold" nodeType="clickEffect">
+                                  <p:stCondLst>
+                                    <p:cond delay="0"/>
+                                  </p:stCondLst>
+                                  <p:childTnLst>
+                                    <p:set>
+                                      <p:cBhvr>
+                                        <p:cTn id="30" dur="1" fill="hold">
+                                          <p:stCondLst>
+                                            <p:cond delay="0"/>
+                                          </p:stCondLst>
+                                        </p:cTn>
+                                        <p:tgtEl>
+                                          <p:spTgt spid="13"/>
                                         </p:tgtEl>
                                         <p:attrNameLst>
                                           <p:attrName>style.visibility</p:attrName>
@@ -9011,10 +9177,9 @@
           </a:p>
           <a:p>
             <a:r>
-              <a:rPr lang="en-KW"/>
+              <a:rPr lang="en-KW" dirty="0"/>
               <a:t>Evaluate result and compare to no vanilla model</a:t>
             </a:r>
-            <a:endParaRPr lang="en-KW" dirty="0"/>
           </a:p>
         </p:txBody>
       </p:sp>
